--- a/itmo/presentation/Yolkin.pptx
+++ b/itmo/presentation/Yolkin.pptx
@@ -252,7 +252,7 @@
             <a:fld id="{BC0DFE1D-6179-40EA-B672-ADEE062EB995}" type="datetimeFigureOut">
               <a:rPr lang="ru-RU" smtClean="0"/>
               <a:pPr/>
-              <a:t>02.05.2012</a:t>
+              <a:t>11.06.2012</a:t>
             </a:fld>
             <a:endParaRPr lang="ru-RU"/>
           </a:p>
@@ -567,7 +567,7 @@
             <a:fld id="{BC0DFE1D-6179-40EA-B672-ADEE062EB995}" type="datetimeFigureOut">
               <a:rPr lang="ru-RU" smtClean="0"/>
               <a:pPr/>
-              <a:t>02.05.2012</a:t>
+              <a:t>11.06.2012</a:t>
             </a:fld>
             <a:endParaRPr lang="ru-RU"/>
           </a:p>
@@ -754,7 +754,7 @@
             <a:fld id="{BC0DFE1D-6179-40EA-B672-ADEE062EB995}" type="datetimeFigureOut">
               <a:rPr lang="ru-RU" smtClean="0"/>
               <a:pPr/>
-              <a:t>02.05.2012</a:t>
+              <a:t>11.06.2012</a:t>
             </a:fld>
             <a:endParaRPr lang="ru-RU"/>
           </a:p>
@@ -931,7 +931,7 @@
             <a:fld id="{BC0DFE1D-6179-40EA-B672-ADEE062EB995}" type="datetimeFigureOut">
               <a:rPr lang="ru-RU" smtClean="0"/>
               <a:pPr/>
-              <a:t>02.05.2012</a:t>
+              <a:t>11.06.2012</a:t>
             </a:fld>
             <a:endParaRPr lang="ru-RU"/>
           </a:p>
@@ -1201,7 +1201,7 @@
             <a:fld id="{BC0DFE1D-6179-40EA-B672-ADEE062EB995}" type="datetimeFigureOut">
               <a:rPr lang="ru-RU" smtClean="0"/>
               <a:pPr/>
-              <a:t>02.05.2012</a:t>
+              <a:t>11.06.2012</a:t>
             </a:fld>
             <a:endParaRPr lang="ru-RU"/>
           </a:p>
@@ -1671,7 +1671,7 @@
             <a:fld id="{BC0DFE1D-6179-40EA-B672-ADEE062EB995}" type="datetimeFigureOut">
               <a:rPr lang="ru-RU" smtClean="0"/>
               <a:pPr/>
-              <a:t>02.05.2012</a:t>
+              <a:t>11.06.2012</a:t>
             </a:fld>
             <a:endParaRPr lang="ru-RU"/>
           </a:p>
@@ -2162,7 +2162,7 @@
             <a:fld id="{BC0DFE1D-6179-40EA-B672-ADEE062EB995}" type="datetimeFigureOut">
               <a:rPr lang="ru-RU" smtClean="0"/>
               <a:pPr/>
-              <a:t>02.05.2012</a:t>
+              <a:t>11.06.2012</a:t>
             </a:fld>
             <a:endParaRPr lang="ru-RU"/>
           </a:p>
@@ -2290,7 +2290,7 @@
             <a:fld id="{BC0DFE1D-6179-40EA-B672-ADEE062EB995}" type="datetimeFigureOut">
               <a:rPr lang="ru-RU" smtClean="0"/>
               <a:pPr/>
-              <a:t>02.05.2012</a:t>
+              <a:t>11.06.2012</a:t>
             </a:fld>
             <a:endParaRPr lang="ru-RU"/>
           </a:p>
@@ -2436,7 +2436,7 @@
             <a:fld id="{BC0DFE1D-6179-40EA-B672-ADEE062EB995}" type="datetimeFigureOut">
               <a:rPr lang="ru-RU" smtClean="0"/>
               <a:pPr/>
-              <a:t>02.05.2012</a:t>
+              <a:t>11.06.2012</a:t>
             </a:fld>
             <a:endParaRPr lang="ru-RU"/>
           </a:p>
@@ -2760,7 +2760,7 @@
             <a:fld id="{BC0DFE1D-6179-40EA-B672-ADEE062EB995}" type="datetimeFigureOut">
               <a:rPr lang="ru-RU" smtClean="0"/>
               <a:pPr/>
-              <a:t>02.05.2012</a:t>
+              <a:t>11.06.2012</a:t>
             </a:fld>
             <a:endParaRPr lang="ru-RU"/>
           </a:p>
@@ -2896,7 +2896,7 @@
             <a:fld id="{BC0DFE1D-6179-40EA-B672-ADEE062EB995}" type="datetimeFigureOut">
               <a:rPr lang="ru-RU" smtClean="0"/>
               <a:pPr/>
-              <a:t>02.05.2012</a:t>
+              <a:t>11.06.2012</a:t>
             </a:fld>
             <a:endParaRPr lang="ru-RU"/>
           </a:p>
@@ -3679,7 +3679,7 @@
             <a:fld id="{BC0DFE1D-6179-40EA-B672-ADEE062EB995}" type="datetimeFigureOut">
               <a:rPr lang="ru-RU" smtClean="0"/>
               <a:pPr/>
-              <a:t>02.05.2012</a:t>
+              <a:t>11.06.2012</a:t>
             </a:fld>
             <a:endParaRPr lang="ru-RU"/>
           </a:p>
@@ -5420,16 +5420,20 @@
       </p:sp>
       <p:pic>
         <p:nvPicPr>
-          <p:cNvPr id="1026" name="Picture 2" descr="D:\home\learning\master\repository\itmo\thesis\pics\fw_arch1.jpg"/>
+          <p:cNvPr id="4" name="Picture 2" descr="C:\Users\AAshmarin\Documents\thesis\thesis\pics\fw_arch1.png"/>
           <p:cNvPicPr>
-            <a:picLocks noGrp="1" noChangeAspect="1" noChangeArrowheads="1"/>
+            <a:picLocks noChangeAspect="1" noChangeArrowheads="1"/>
           </p:cNvPicPr>
-          <p:nvPr>
-            <p:ph idx="1"/>
-          </p:nvPr>
+          <p:nvPr/>
         </p:nvPicPr>
         <p:blipFill>
-          <a:blip r:embed="rId2" cstate="print"/>
+          <a:blip r:embed="rId2">
+            <a:extLst>
+              <a:ext uri="{28A0092B-C50C-407E-A947-70E740481C1C}">
+                <a14:useLocalDpi xmlns:a14="http://schemas.microsoft.com/office/drawing/2010/main" val="0"/>
+              </a:ext>
+            </a:extLst>
+          </a:blip>
           <a:srcRect/>
           <a:stretch>
             <a:fillRect/>
@@ -5437,15 +5441,43 @@
         </p:blipFill>
         <p:spPr bwMode="auto">
           <a:xfrm>
-            <a:off x="1115616" y="1700808"/>
-            <a:ext cx="8028384" cy="3839397"/>
+            <a:off x="1115616" y="1268760"/>
+            <a:ext cx="7818437" cy="4754563"/>
           </a:xfrm>
           <a:prstGeom prst="rect">
             <a:avLst/>
           </a:prstGeom>
           <a:noFill/>
+          <a:extLst>
+            <a:ext uri="{909E8E84-426E-40DD-AFC4-6F175D3DCCD1}">
+              <a14:hiddenFill xmlns:a14="http://schemas.microsoft.com/office/drawing/2010/main">
+                <a:solidFill>
+                  <a:srgbClr val="FFFFFF"/>
+                </a:solidFill>
+              </a14:hiddenFill>
+            </a:ext>
+          </a:extLst>
         </p:spPr>
       </p:pic>
+      <p:sp>
+        <p:nvSpPr>
+          <p:cNvPr id="3" name="Content Placeholder 2"/>
+          <p:cNvSpPr>
+            <a:spLocks noGrp="1"/>
+          </p:cNvSpPr>
+          <p:nvPr>
+            <p:ph idx="1"/>
+          </p:nvPr>
+        </p:nvSpPr>
+        <p:spPr/>
+        <p:txBody>
+          <a:bodyPr/>
+          <a:lstStyle/>
+          <a:p>
+            <a:endParaRPr lang="en-GB"/>
+          </a:p>
+        </p:txBody>
+      </p:sp>
     </p:spTree>
   </p:cSld>
   <p:clrMapOvr>
@@ -5532,7 +5564,6 @@
               <a:rPr lang="ru-RU" dirty="0" smtClean="0"/>
               <a:t> с учётом специфики основного приложения</a:t>
             </a:r>
-            <a:endParaRPr lang="ru-RU" dirty="0" smtClean="0"/>
           </a:p>
           <a:p>
             <a:r>

--- a/itmo/presentation/Yolkin.pptx
+++ b/itmo/presentation/Yolkin.pptx
@@ -4,18 +4,23 @@
   <p:sldMasterIdLst>
     <p:sldMasterId id="2147483912" r:id="rId1"/>
   </p:sldMasterIdLst>
+  <p:notesMasterIdLst>
+    <p:notesMasterId r:id="rId15"/>
+  </p:notesMasterIdLst>
   <p:sldIdLst>
     <p:sldId id="256" r:id="rId2"/>
     <p:sldId id="257" r:id="rId3"/>
     <p:sldId id="258" r:id="rId4"/>
-    <p:sldId id="259" r:id="rId5"/>
-    <p:sldId id="260" r:id="rId6"/>
-    <p:sldId id="261" r:id="rId7"/>
-    <p:sldId id="262" r:id="rId8"/>
-    <p:sldId id="263" r:id="rId9"/>
-    <p:sldId id="264" r:id="rId10"/>
-    <p:sldId id="265" r:id="rId11"/>
-    <p:sldId id="266" r:id="rId12"/>
+    <p:sldId id="268" r:id="rId5"/>
+    <p:sldId id="259" r:id="rId6"/>
+    <p:sldId id="260" r:id="rId7"/>
+    <p:sldId id="261" r:id="rId8"/>
+    <p:sldId id="262" r:id="rId9"/>
+    <p:sldId id="267" r:id="rId10"/>
+    <p:sldId id="263" r:id="rId11"/>
+    <p:sldId id="264" r:id="rId12"/>
+    <p:sldId id="265" r:id="rId13"/>
+    <p:sldId id="266" r:id="rId14"/>
   </p:sldIdLst>
   <p:sldSz cx="9144000" cy="6858000" type="screen4x3"/>
   <p:notesSz cx="6858000" cy="9144000"/>
@@ -117,6 +122,440 @@
 </p:presentation>
 </file>
 
+<file path=ppt/notesMasters/notesMaster1.xml><?xml version="1.0" encoding="utf-8"?>
+<p:notesMaster xmlns:a="http://schemas.openxmlformats.org/drawingml/2006/main" xmlns:r="http://schemas.openxmlformats.org/officeDocument/2006/relationships" xmlns:p="http://schemas.openxmlformats.org/presentationml/2006/main">
+  <p:cSld>
+    <p:bg>
+      <p:bgRef idx="1001">
+        <a:schemeClr val="bg1"/>
+      </p:bgRef>
+    </p:bg>
+    <p:spTree>
+      <p:nvGrpSpPr>
+        <p:cNvPr id="1" name=""/>
+        <p:cNvGrpSpPr/>
+        <p:nvPr/>
+      </p:nvGrpSpPr>
+      <p:grpSpPr>
+        <a:xfrm>
+          <a:off x="0" y="0"/>
+          <a:ext cx="0" cy="0"/>
+          <a:chOff x="0" y="0"/>
+          <a:chExt cx="0" cy="0"/>
+        </a:xfrm>
+      </p:grpSpPr>
+      <p:sp>
+        <p:nvSpPr>
+          <p:cNvPr id="2" name="Header Placeholder 1"/>
+          <p:cNvSpPr>
+            <a:spLocks noGrp="1"/>
+          </p:cNvSpPr>
+          <p:nvPr>
+            <p:ph type="hdr" sz="quarter"/>
+          </p:nvPr>
+        </p:nvSpPr>
+        <p:spPr>
+          <a:xfrm>
+            <a:off x="0" y="0"/>
+            <a:ext cx="2971800" cy="457200"/>
+          </a:xfrm>
+          <a:prstGeom prst="rect">
+            <a:avLst/>
+          </a:prstGeom>
+        </p:spPr>
+        <p:txBody>
+          <a:bodyPr vert="horz" lIns="91440" tIns="45720" rIns="91440" bIns="45720" rtlCol="0"/>
+          <a:lstStyle>
+            <a:lvl1pPr algn="l">
+              <a:defRPr sz="1200"/>
+            </a:lvl1pPr>
+          </a:lstStyle>
+          <a:p>
+            <a:endParaRPr lang="en-GB"/>
+          </a:p>
+        </p:txBody>
+      </p:sp>
+      <p:sp>
+        <p:nvSpPr>
+          <p:cNvPr id="3" name="Date Placeholder 2"/>
+          <p:cNvSpPr>
+            <a:spLocks noGrp="1"/>
+          </p:cNvSpPr>
+          <p:nvPr>
+            <p:ph type="dt" idx="1"/>
+          </p:nvPr>
+        </p:nvSpPr>
+        <p:spPr>
+          <a:xfrm>
+            <a:off x="3884613" y="0"/>
+            <a:ext cx="2971800" cy="457200"/>
+          </a:xfrm>
+          <a:prstGeom prst="rect">
+            <a:avLst/>
+          </a:prstGeom>
+        </p:spPr>
+        <p:txBody>
+          <a:bodyPr vert="horz" lIns="91440" tIns="45720" rIns="91440" bIns="45720" rtlCol="0"/>
+          <a:lstStyle>
+            <a:lvl1pPr algn="r">
+              <a:defRPr sz="1200"/>
+            </a:lvl1pPr>
+          </a:lstStyle>
+          <a:p>
+            <a:fld id="{42767D20-464E-4D67-AE48-0BE41E28B6A2}" type="datetimeFigureOut">
+              <a:rPr lang="en-GB" smtClean="0"/>
+              <a:t>18/06/2012</a:t>
+            </a:fld>
+            <a:endParaRPr lang="en-GB"/>
+          </a:p>
+        </p:txBody>
+      </p:sp>
+      <p:sp>
+        <p:nvSpPr>
+          <p:cNvPr id="4" name="Slide Image Placeholder 3"/>
+          <p:cNvSpPr>
+            <a:spLocks noGrp="1" noRot="1" noChangeAspect="1"/>
+          </p:cNvSpPr>
+          <p:nvPr>
+            <p:ph type="sldImg" idx="2"/>
+          </p:nvPr>
+        </p:nvSpPr>
+        <p:spPr>
+          <a:xfrm>
+            <a:off x="1143000" y="685800"/>
+            <a:ext cx="4572000" cy="3429000"/>
+          </a:xfrm>
+          <a:prstGeom prst="rect">
+            <a:avLst/>
+          </a:prstGeom>
+          <a:noFill/>
+          <a:ln w="12700">
+            <a:solidFill>
+              <a:prstClr val="black"/>
+            </a:solidFill>
+          </a:ln>
+        </p:spPr>
+        <p:txBody>
+          <a:bodyPr vert="horz" lIns="91440" tIns="45720" rIns="91440" bIns="45720" rtlCol="0" anchor="ctr"/>
+          <a:lstStyle/>
+          <a:p>
+            <a:endParaRPr lang="en-GB"/>
+          </a:p>
+        </p:txBody>
+      </p:sp>
+      <p:sp>
+        <p:nvSpPr>
+          <p:cNvPr id="5" name="Notes Placeholder 4"/>
+          <p:cNvSpPr>
+            <a:spLocks noGrp="1"/>
+          </p:cNvSpPr>
+          <p:nvPr>
+            <p:ph type="body" sz="quarter" idx="3"/>
+          </p:nvPr>
+        </p:nvSpPr>
+        <p:spPr>
+          <a:xfrm>
+            <a:off x="685800" y="4343400"/>
+            <a:ext cx="5486400" cy="4114800"/>
+          </a:xfrm>
+          <a:prstGeom prst="rect">
+            <a:avLst/>
+          </a:prstGeom>
+        </p:spPr>
+        <p:txBody>
+          <a:bodyPr vert="horz" lIns="91440" tIns="45720" rIns="91440" bIns="45720" rtlCol="0"/>
+          <a:lstStyle/>
+          <a:p>
+            <a:pPr lvl="0"/>
+            <a:r>
+              <a:rPr lang="en-US" smtClean="0"/>
+              <a:t>Click to edit Master text styles</a:t>
+            </a:r>
+          </a:p>
+          <a:p>
+            <a:pPr lvl="1"/>
+            <a:r>
+              <a:rPr lang="en-US" smtClean="0"/>
+              <a:t>Second level</a:t>
+            </a:r>
+          </a:p>
+          <a:p>
+            <a:pPr lvl="2"/>
+            <a:r>
+              <a:rPr lang="en-US" smtClean="0"/>
+              <a:t>Third level</a:t>
+            </a:r>
+          </a:p>
+          <a:p>
+            <a:pPr lvl="3"/>
+            <a:r>
+              <a:rPr lang="en-US" smtClean="0"/>
+              <a:t>Fourth level</a:t>
+            </a:r>
+          </a:p>
+          <a:p>
+            <a:pPr lvl="4"/>
+            <a:r>
+              <a:rPr lang="en-US" smtClean="0"/>
+              <a:t>Fifth level</a:t>
+            </a:r>
+            <a:endParaRPr lang="en-GB"/>
+          </a:p>
+        </p:txBody>
+      </p:sp>
+      <p:sp>
+        <p:nvSpPr>
+          <p:cNvPr id="6" name="Footer Placeholder 5"/>
+          <p:cNvSpPr>
+            <a:spLocks noGrp="1"/>
+          </p:cNvSpPr>
+          <p:nvPr>
+            <p:ph type="ftr" sz="quarter" idx="4"/>
+          </p:nvPr>
+        </p:nvSpPr>
+        <p:spPr>
+          <a:xfrm>
+            <a:off x="0" y="8685213"/>
+            <a:ext cx="2971800" cy="457200"/>
+          </a:xfrm>
+          <a:prstGeom prst="rect">
+            <a:avLst/>
+          </a:prstGeom>
+        </p:spPr>
+        <p:txBody>
+          <a:bodyPr vert="horz" lIns="91440" tIns="45720" rIns="91440" bIns="45720" rtlCol="0" anchor="b"/>
+          <a:lstStyle>
+            <a:lvl1pPr algn="l">
+              <a:defRPr sz="1200"/>
+            </a:lvl1pPr>
+          </a:lstStyle>
+          <a:p>
+            <a:endParaRPr lang="en-GB"/>
+          </a:p>
+        </p:txBody>
+      </p:sp>
+      <p:sp>
+        <p:nvSpPr>
+          <p:cNvPr id="7" name="Slide Number Placeholder 6"/>
+          <p:cNvSpPr>
+            <a:spLocks noGrp="1"/>
+          </p:cNvSpPr>
+          <p:nvPr>
+            <p:ph type="sldNum" sz="quarter" idx="5"/>
+          </p:nvPr>
+        </p:nvSpPr>
+        <p:spPr>
+          <a:xfrm>
+            <a:off x="3884613" y="8685213"/>
+            <a:ext cx="2971800" cy="457200"/>
+          </a:xfrm>
+          <a:prstGeom prst="rect">
+            <a:avLst/>
+          </a:prstGeom>
+        </p:spPr>
+        <p:txBody>
+          <a:bodyPr vert="horz" lIns="91440" tIns="45720" rIns="91440" bIns="45720" rtlCol="0" anchor="b"/>
+          <a:lstStyle>
+            <a:lvl1pPr algn="r">
+              <a:defRPr sz="1200"/>
+            </a:lvl1pPr>
+          </a:lstStyle>
+          <a:p>
+            <a:fld id="{F255A48A-661E-480B-B884-3CB3D048C95F}" type="slidenum">
+              <a:rPr lang="en-GB" smtClean="0"/>
+              <a:t>‹#›</a:t>
+            </a:fld>
+            <a:endParaRPr lang="en-GB"/>
+          </a:p>
+        </p:txBody>
+      </p:sp>
+    </p:spTree>
+    <p:extLst>
+      <p:ext uri="{BB962C8B-B14F-4D97-AF65-F5344CB8AC3E}">
+        <p14:creationId xmlns:p14="http://schemas.microsoft.com/office/powerpoint/2010/main" val="2666101474"/>
+      </p:ext>
+    </p:extLst>
+  </p:cSld>
+  <p:clrMap bg1="lt1" tx1="dk1" bg2="lt2" tx2="dk2" accent1="accent1" accent2="accent2" accent3="accent3" accent4="accent4" accent5="accent5" accent6="accent6" hlink="hlink" folHlink="folHlink"/>
+  <p:notesStyle>
+    <a:lvl1pPr marL="0" algn="l" defTabSz="914400" rtl="0" eaLnBrk="1" latinLnBrk="0" hangingPunct="1">
+      <a:defRPr sz="1200" kern="1200">
+        <a:solidFill>
+          <a:schemeClr val="tx1"/>
+        </a:solidFill>
+        <a:latin typeface="+mn-lt"/>
+        <a:ea typeface="+mn-ea"/>
+        <a:cs typeface="+mn-cs"/>
+      </a:defRPr>
+    </a:lvl1pPr>
+    <a:lvl2pPr marL="457200" algn="l" defTabSz="914400" rtl="0" eaLnBrk="1" latinLnBrk="0" hangingPunct="1">
+      <a:defRPr sz="1200" kern="1200">
+        <a:solidFill>
+          <a:schemeClr val="tx1"/>
+        </a:solidFill>
+        <a:latin typeface="+mn-lt"/>
+        <a:ea typeface="+mn-ea"/>
+        <a:cs typeface="+mn-cs"/>
+      </a:defRPr>
+    </a:lvl2pPr>
+    <a:lvl3pPr marL="914400" algn="l" defTabSz="914400" rtl="0" eaLnBrk="1" latinLnBrk="0" hangingPunct="1">
+      <a:defRPr sz="1200" kern="1200">
+        <a:solidFill>
+          <a:schemeClr val="tx1"/>
+        </a:solidFill>
+        <a:latin typeface="+mn-lt"/>
+        <a:ea typeface="+mn-ea"/>
+        <a:cs typeface="+mn-cs"/>
+      </a:defRPr>
+    </a:lvl3pPr>
+    <a:lvl4pPr marL="1371600" algn="l" defTabSz="914400" rtl="0" eaLnBrk="1" latinLnBrk="0" hangingPunct="1">
+      <a:defRPr sz="1200" kern="1200">
+        <a:solidFill>
+          <a:schemeClr val="tx1"/>
+        </a:solidFill>
+        <a:latin typeface="+mn-lt"/>
+        <a:ea typeface="+mn-ea"/>
+        <a:cs typeface="+mn-cs"/>
+      </a:defRPr>
+    </a:lvl4pPr>
+    <a:lvl5pPr marL="1828800" algn="l" defTabSz="914400" rtl="0" eaLnBrk="1" latinLnBrk="0" hangingPunct="1">
+      <a:defRPr sz="1200" kern="1200">
+        <a:solidFill>
+          <a:schemeClr val="tx1"/>
+        </a:solidFill>
+        <a:latin typeface="+mn-lt"/>
+        <a:ea typeface="+mn-ea"/>
+        <a:cs typeface="+mn-cs"/>
+      </a:defRPr>
+    </a:lvl5pPr>
+    <a:lvl6pPr marL="2286000" algn="l" defTabSz="914400" rtl="0" eaLnBrk="1" latinLnBrk="0" hangingPunct="1">
+      <a:defRPr sz="1200" kern="1200">
+        <a:solidFill>
+          <a:schemeClr val="tx1"/>
+        </a:solidFill>
+        <a:latin typeface="+mn-lt"/>
+        <a:ea typeface="+mn-ea"/>
+        <a:cs typeface="+mn-cs"/>
+      </a:defRPr>
+    </a:lvl6pPr>
+    <a:lvl7pPr marL="2743200" algn="l" defTabSz="914400" rtl="0" eaLnBrk="1" latinLnBrk="0" hangingPunct="1">
+      <a:defRPr sz="1200" kern="1200">
+        <a:solidFill>
+          <a:schemeClr val="tx1"/>
+        </a:solidFill>
+        <a:latin typeface="+mn-lt"/>
+        <a:ea typeface="+mn-ea"/>
+        <a:cs typeface="+mn-cs"/>
+      </a:defRPr>
+    </a:lvl7pPr>
+    <a:lvl8pPr marL="3200400" algn="l" defTabSz="914400" rtl="0" eaLnBrk="1" latinLnBrk="0" hangingPunct="1">
+      <a:defRPr sz="1200" kern="1200">
+        <a:solidFill>
+          <a:schemeClr val="tx1"/>
+        </a:solidFill>
+        <a:latin typeface="+mn-lt"/>
+        <a:ea typeface="+mn-ea"/>
+        <a:cs typeface="+mn-cs"/>
+      </a:defRPr>
+    </a:lvl8pPr>
+    <a:lvl9pPr marL="3657600" algn="l" defTabSz="914400" rtl="0" eaLnBrk="1" latinLnBrk="0" hangingPunct="1">
+      <a:defRPr sz="1200" kern="1200">
+        <a:solidFill>
+          <a:schemeClr val="tx1"/>
+        </a:solidFill>
+        <a:latin typeface="+mn-lt"/>
+        <a:ea typeface="+mn-ea"/>
+        <a:cs typeface="+mn-cs"/>
+      </a:defRPr>
+    </a:lvl9pPr>
+  </p:notesStyle>
+</p:notesMaster>
+</file>
+
+<file path=ppt/notesSlides/notesSlide1.xml><?xml version="1.0" encoding="utf-8"?>
+<p:notes xmlns:a="http://schemas.openxmlformats.org/drawingml/2006/main" xmlns:r="http://schemas.openxmlformats.org/officeDocument/2006/relationships" xmlns:p="http://schemas.openxmlformats.org/presentationml/2006/main">
+  <p:cSld>
+    <p:spTree>
+      <p:nvGrpSpPr>
+        <p:cNvPr id="1" name=""/>
+        <p:cNvGrpSpPr/>
+        <p:nvPr/>
+      </p:nvGrpSpPr>
+      <p:grpSpPr>
+        <a:xfrm>
+          <a:off x="0" y="0"/>
+          <a:ext cx="0" cy="0"/>
+          <a:chOff x="0" y="0"/>
+          <a:chExt cx="0" cy="0"/>
+        </a:xfrm>
+      </p:grpSpPr>
+      <p:sp>
+        <p:nvSpPr>
+          <p:cNvPr id="2" name="Slide Image Placeholder 1"/>
+          <p:cNvSpPr>
+            <a:spLocks noGrp="1" noRot="1" noChangeAspect="1"/>
+          </p:cNvSpPr>
+          <p:nvPr>
+            <p:ph type="sldImg"/>
+          </p:nvPr>
+        </p:nvSpPr>
+        <p:spPr/>
+      </p:sp>
+      <p:sp>
+        <p:nvSpPr>
+          <p:cNvPr id="3" name="Notes Placeholder 2"/>
+          <p:cNvSpPr>
+            <a:spLocks noGrp="1"/>
+          </p:cNvSpPr>
+          <p:nvPr>
+            <p:ph type="body" idx="1"/>
+          </p:nvPr>
+        </p:nvSpPr>
+        <p:spPr/>
+        <p:txBody>
+          <a:bodyPr/>
+          <a:lstStyle/>
+          <a:p>
+            <a:endParaRPr lang="en-GB" dirty="0"/>
+          </a:p>
+        </p:txBody>
+      </p:sp>
+      <p:sp>
+        <p:nvSpPr>
+          <p:cNvPr id="4" name="Slide Number Placeholder 3"/>
+          <p:cNvSpPr>
+            <a:spLocks noGrp="1"/>
+          </p:cNvSpPr>
+          <p:nvPr>
+            <p:ph type="sldNum" sz="quarter" idx="10"/>
+          </p:nvPr>
+        </p:nvSpPr>
+        <p:spPr/>
+        <p:txBody>
+          <a:bodyPr/>
+          <a:lstStyle/>
+          <a:p>
+            <a:fld id="{F255A48A-661E-480B-B884-3CB3D048C95F}" type="slidenum">
+              <a:rPr lang="en-GB" smtClean="0"/>
+              <a:t>10</a:t>
+            </a:fld>
+            <a:endParaRPr lang="en-GB"/>
+          </a:p>
+        </p:txBody>
+      </p:sp>
+    </p:spTree>
+    <p:extLst>
+      <p:ext uri="{BB962C8B-B14F-4D97-AF65-F5344CB8AC3E}">
+        <p14:creationId xmlns:p14="http://schemas.microsoft.com/office/powerpoint/2010/main" val="3772878126"/>
+      </p:ext>
+    </p:extLst>
+  </p:cSld>
+  <p:clrMapOvr>
+    <a:masterClrMapping/>
+  </p:clrMapOvr>
+</p:notes>
+</file>
+
 <file path=ppt/slideLayouts/slideLayout1.xml><?xml version="1.0" encoding="utf-8"?>
 <p:sldLayout xmlns:a="http://schemas.openxmlformats.org/drawingml/2006/main" xmlns:r="http://schemas.openxmlformats.org/officeDocument/2006/relationships" xmlns:p="http://schemas.openxmlformats.org/presentationml/2006/main" type="title" preserve="1">
   <p:cSld name="Title Slide">
@@ -252,7 +691,7 @@
             <a:fld id="{BC0DFE1D-6179-40EA-B672-ADEE062EB995}" type="datetimeFigureOut">
               <a:rPr lang="ru-RU" smtClean="0"/>
               <a:pPr/>
-              <a:t>11.06.2012</a:t>
+              <a:t>18.06.2012</a:t>
             </a:fld>
             <a:endParaRPr lang="ru-RU"/>
           </a:p>
@@ -567,7 +1006,7 @@
             <a:fld id="{BC0DFE1D-6179-40EA-B672-ADEE062EB995}" type="datetimeFigureOut">
               <a:rPr lang="ru-RU" smtClean="0"/>
               <a:pPr/>
-              <a:t>11.06.2012</a:t>
+              <a:t>18.06.2012</a:t>
             </a:fld>
             <a:endParaRPr lang="ru-RU"/>
           </a:p>
@@ -754,7 +1193,7 @@
             <a:fld id="{BC0DFE1D-6179-40EA-B672-ADEE062EB995}" type="datetimeFigureOut">
               <a:rPr lang="ru-RU" smtClean="0"/>
               <a:pPr/>
-              <a:t>11.06.2012</a:t>
+              <a:t>18.06.2012</a:t>
             </a:fld>
             <a:endParaRPr lang="ru-RU"/>
           </a:p>
@@ -931,7 +1370,7 @@
             <a:fld id="{BC0DFE1D-6179-40EA-B672-ADEE062EB995}" type="datetimeFigureOut">
               <a:rPr lang="ru-RU" smtClean="0"/>
               <a:pPr/>
-              <a:t>11.06.2012</a:t>
+              <a:t>18.06.2012</a:t>
             </a:fld>
             <a:endParaRPr lang="ru-RU"/>
           </a:p>
@@ -1201,7 +1640,7 @@
             <a:fld id="{BC0DFE1D-6179-40EA-B672-ADEE062EB995}" type="datetimeFigureOut">
               <a:rPr lang="ru-RU" smtClean="0"/>
               <a:pPr/>
-              <a:t>11.06.2012</a:t>
+              <a:t>18.06.2012</a:t>
             </a:fld>
             <a:endParaRPr lang="ru-RU"/>
           </a:p>
@@ -1671,7 +2110,7 @@
             <a:fld id="{BC0DFE1D-6179-40EA-B672-ADEE062EB995}" type="datetimeFigureOut">
               <a:rPr lang="ru-RU" smtClean="0"/>
               <a:pPr/>
-              <a:t>11.06.2012</a:t>
+              <a:t>18.06.2012</a:t>
             </a:fld>
             <a:endParaRPr lang="ru-RU"/>
           </a:p>
@@ -2162,7 +2601,7 @@
             <a:fld id="{BC0DFE1D-6179-40EA-B672-ADEE062EB995}" type="datetimeFigureOut">
               <a:rPr lang="ru-RU" smtClean="0"/>
               <a:pPr/>
-              <a:t>11.06.2012</a:t>
+              <a:t>18.06.2012</a:t>
             </a:fld>
             <a:endParaRPr lang="ru-RU"/>
           </a:p>
@@ -2290,7 +2729,7 @@
             <a:fld id="{BC0DFE1D-6179-40EA-B672-ADEE062EB995}" type="datetimeFigureOut">
               <a:rPr lang="ru-RU" smtClean="0"/>
               <a:pPr/>
-              <a:t>11.06.2012</a:t>
+              <a:t>18.06.2012</a:t>
             </a:fld>
             <a:endParaRPr lang="ru-RU"/>
           </a:p>
@@ -2436,7 +2875,7 @@
             <a:fld id="{BC0DFE1D-6179-40EA-B672-ADEE062EB995}" type="datetimeFigureOut">
               <a:rPr lang="ru-RU" smtClean="0"/>
               <a:pPr/>
-              <a:t>11.06.2012</a:t>
+              <a:t>18.06.2012</a:t>
             </a:fld>
             <a:endParaRPr lang="ru-RU"/>
           </a:p>
@@ -2760,7 +3199,7 @@
             <a:fld id="{BC0DFE1D-6179-40EA-B672-ADEE062EB995}" type="datetimeFigureOut">
               <a:rPr lang="ru-RU" smtClean="0"/>
               <a:pPr/>
-              <a:t>11.06.2012</a:t>
+              <a:t>18.06.2012</a:t>
             </a:fld>
             <a:endParaRPr lang="ru-RU"/>
           </a:p>
@@ -2896,7 +3335,7 @@
             <a:fld id="{BC0DFE1D-6179-40EA-B672-ADEE062EB995}" type="datetimeFigureOut">
               <a:rPr lang="ru-RU" smtClean="0"/>
               <a:pPr/>
-              <a:t>11.06.2012</a:t>
+              <a:t>18.06.2012</a:t>
             </a:fld>
             <a:endParaRPr lang="ru-RU"/>
           </a:p>
@@ -3679,7 +4118,7 @@
             <a:fld id="{BC0DFE1D-6179-40EA-B672-ADEE062EB995}" type="datetimeFigureOut">
               <a:rPr lang="ru-RU" smtClean="0"/>
               <a:pPr/>
-              <a:t>11.06.2012</a:t>
+              <a:t>18.06.2012</a:t>
             </a:fld>
             <a:endParaRPr lang="ru-RU"/>
           </a:p>
@@ -4548,90 +4987,60 @@
             <p:ph type="title"/>
           </p:nvPr>
         </p:nvSpPr>
-        <p:spPr>
-          <a:xfrm>
-            <a:off x="1331640" y="0"/>
-            <a:ext cx="7498080" cy="1143000"/>
-          </a:xfrm>
-        </p:spPr>
+        <p:spPr/>
         <p:txBody>
           <a:bodyPr/>
           <a:lstStyle/>
           <a:p>
             <a:r>
               <a:rPr lang="ru-RU" dirty="0" smtClean="0"/>
-              <a:t>Результаты</a:t>
+              <a:t>Архитектура платформы</a:t>
             </a:r>
             <a:endParaRPr lang="ru-RU" dirty="0"/>
           </a:p>
         </p:txBody>
       </p:sp>
-      <p:sp>
-        <p:nvSpPr>
-          <p:cNvPr id="3" name="Content Placeholder 2"/>
-          <p:cNvSpPr>
-            <a:spLocks noGrp="1"/>
-          </p:cNvSpPr>
-          <p:nvPr>
-            <p:ph idx="1"/>
-          </p:nvPr>
-        </p:nvSpPr>
-        <p:spPr>
+      <p:pic>
+        <p:nvPicPr>
+          <p:cNvPr id="4" name="Picture 2" descr="C:\Users\AAshmarin\Documents\thesis\thesis\pics\fw_arch1.png"/>
+          <p:cNvPicPr>
+            <a:picLocks noChangeAspect="1" noChangeArrowheads="1"/>
+          </p:cNvPicPr>
+          <p:nvPr/>
+        </p:nvPicPr>
+        <p:blipFill>
+          <a:blip r:embed="rId3">
+            <a:extLst>
+              <a:ext uri="{28A0092B-C50C-407E-A947-70E740481C1C}">
+                <a14:useLocalDpi xmlns:a14="http://schemas.microsoft.com/office/drawing/2010/main" val="0"/>
+              </a:ext>
+            </a:extLst>
+          </a:blip>
+          <a:srcRect/>
+          <a:stretch>
+            <a:fillRect/>
+          </a:stretch>
+        </p:blipFill>
+        <p:spPr bwMode="auto">
           <a:xfrm>
-            <a:off x="1043608" y="1124744"/>
-            <a:ext cx="7890080" cy="5472608"/>
+            <a:off x="1115616" y="1268760"/>
+            <a:ext cx="7818437" cy="4754563"/>
           </a:xfrm>
+          <a:prstGeom prst="rect">
+            <a:avLst/>
+          </a:prstGeom>
+          <a:noFill/>
+          <a:extLst>
+            <a:ext uri="{909E8E84-426E-40DD-AFC4-6F175D3DCCD1}">
+              <a14:hiddenFill xmlns:a14="http://schemas.microsoft.com/office/drawing/2010/main">
+                <a:solidFill>
+                  <a:srgbClr val="FFFFFF"/>
+                </a:solidFill>
+              </a14:hiddenFill>
+            </a:ext>
+          </a:extLst>
         </p:spPr>
-        <p:txBody>
-          <a:bodyPr>
-            <a:normAutofit fontScale="77500" lnSpcReduction="20000"/>
-          </a:bodyPr>
-          <a:lstStyle/>
-          <a:p>
-            <a:r>
-              <a:rPr lang="ru-RU" dirty="0" smtClean="0"/>
-              <a:t>Изучены вопросы, связанные с автоматизацией и расширением приложений</a:t>
-            </a:r>
-          </a:p>
-          <a:p>
-            <a:r>
-              <a:rPr lang="ru-RU" dirty="0" smtClean="0"/>
-              <a:t>Изучены существующие подходы в данной области</a:t>
-            </a:r>
-          </a:p>
-          <a:p>
-            <a:r>
-              <a:rPr lang="ru-RU" dirty="0" smtClean="0"/>
-              <a:t>Предпринята попытка интеграции одного из существующих решений</a:t>
-            </a:r>
-          </a:p>
-          <a:p>
-            <a:r>
-              <a:rPr lang="ru-RU" dirty="0" smtClean="0"/>
-              <a:t>Сделаны выводы о преимуществах и недостатках существующих решений и сформулированы требования к новой разрабатываемой платформе</a:t>
-            </a:r>
-          </a:p>
-          <a:p>
-            <a:r>
-              <a:rPr lang="ru-RU" dirty="0" smtClean="0"/>
-              <a:t>Разработана новая платформа</a:t>
-            </a:r>
-          </a:p>
-          <a:p>
-            <a:r>
-              <a:rPr lang="ru-RU" dirty="0" smtClean="0"/>
-              <a:t>Платформа интегрирована в существующие проекты</a:t>
-            </a:r>
-          </a:p>
-          <a:p>
-            <a:r>
-              <a:rPr lang="ru-RU" dirty="0" smtClean="0"/>
-              <a:t>Проведён анализ результатов интеграции и сравнение полученной платформы с существующими решениями</a:t>
-            </a:r>
-            <a:endParaRPr lang="ru-RU" dirty="0"/>
-          </a:p>
-        </p:txBody>
-      </p:sp>
+      </p:pic>
     </p:spTree>
   </p:cSld>
   <p:clrMapOvr>
@@ -4676,6 +5085,249 @@
         </p:nvSpPr>
         <p:spPr/>
         <p:txBody>
+          <a:bodyPr>
+            <a:normAutofit fontScale="90000"/>
+          </a:bodyPr>
+          <a:lstStyle/>
+          <a:p>
+            <a:r>
+              <a:rPr lang="ru-RU" dirty="0" smtClean="0"/>
+              <a:t>Дополнительные возможности</a:t>
+            </a:r>
+            <a:endParaRPr lang="ru-RU" dirty="0"/>
+          </a:p>
+        </p:txBody>
+      </p:sp>
+      <p:sp>
+        <p:nvSpPr>
+          <p:cNvPr id="3" name="Content Placeholder 2"/>
+          <p:cNvSpPr>
+            <a:spLocks noGrp="1"/>
+          </p:cNvSpPr>
+          <p:nvPr>
+            <p:ph idx="1"/>
+          </p:nvPr>
+        </p:nvSpPr>
+        <p:spPr/>
+        <p:txBody>
+          <a:bodyPr/>
+          <a:lstStyle/>
+          <a:p>
+            <a:r>
+              <a:rPr lang="ru-RU" dirty="0" smtClean="0"/>
+              <a:t>Управление расширениями</a:t>
+            </a:r>
+          </a:p>
+          <a:p>
+            <a:r>
+              <a:rPr lang="en-US" dirty="0" smtClean="0"/>
+              <a:t>IntelliSense</a:t>
+            </a:r>
+            <a:r>
+              <a:rPr lang="ru-RU" dirty="0" smtClean="0"/>
+              <a:t> с учётом специфики основного приложения</a:t>
+            </a:r>
+          </a:p>
+          <a:p>
+            <a:r>
+              <a:rPr lang="ru-RU" dirty="0" smtClean="0"/>
+              <a:t>Инструменты для полуавтоматической интеграции</a:t>
+            </a:r>
+          </a:p>
+          <a:p>
+            <a:r>
+              <a:rPr lang="ru-RU" dirty="0" smtClean="0"/>
+              <a:t>Полноценная среда разработки</a:t>
+            </a:r>
+          </a:p>
+        </p:txBody>
+      </p:sp>
+    </p:spTree>
+  </p:cSld>
+  <p:clrMapOvr>
+    <a:masterClrMapping/>
+  </p:clrMapOvr>
+  <p:timing>
+    <p:tnLst>
+      <p:par>
+        <p:cTn id="1" dur="indefinite" restart="never" nodeType="tmRoot"/>
+      </p:par>
+    </p:tnLst>
+  </p:timing>
+</p:sld>
+</file>
+
+<file path=ppt/slides/slide12.xml><?xml version="1.0" encoding="utf-8"?>
+<p:sld xmlns:a="http://schemas.openxmlformats.org/drawingml/2006/main" xmlns:r="http://schemas.openxmlformats.org/officeDocument/2006/relationships" xmlns:p="http://schemas.openxmlformats.org/presentationml/2006/main">
+  <p:cSld>
+    <p:spTree>
+      <p:nvGrpSpPr>
+        <p:cNvPr id="1" name=""/>
+        <p:cNvGrpSpPr/>
+        <p:nvPr/>
+      </p:nvGrpSpPr>
+      <p:grpSpPr>
+        <a:xfrm>
+          <a:off x="0" y="0"/>
+          <a:ext cx="0" cy="0"/>
+          <a:chOff x="0" y="0"/>
+          <a:chExt cx="0" cy="0"/>
+        </a:xfrm>
+      </p:grpSpPr>
+      <p:sp>
+        <p:nvSpPr>
+          <p:cNvPr id="2" name="Title 1"/>
+          <p:cNvSpPr>
+            <a:spLocks noGrp="1"/>
+          </p:cNvSpPr>
+          <p:nvPr>
+            <p:ph type="title"/>
+          </p:nvPr>
+        </p:nvSpPr>
+        <p:spPr>
+          <a:xfrm>
+            <a:off x="1331640" y="0"/>
+            <a:ext cx="7498080" cy="1143000"/>
+          </a:xfrm>
+        </p:spPr>
+        <p:txBody>
+          <a:bodyPr/>
+          <a:lstStyle/>
+          <a:p>
+            <a:r>
+              <a:rPr lang="ru-RU" dirty="0" smtClean="0"/>
+              <a:t>Результаты</a:t>
+            </a:r>
+            <a:endParaRPr lang="ru-RU" dirty="0"/>
+          </a:p>
+        </p:txBody>
+      </p:sp>
+      <p:sp>
+        <p:nvSpPr>
+          <p:cNvPr id="3" name="Content Placeholder 2"/>
+          <p:cNvSpPr>
+            <a:spLocks noGrp="1"/>
+          </p:cNvSpPr>
+          <p:nvPr>
+            <p:ph idx="1"/>
+          </p:nvPr>
+        </p:nvSpPr>
+        <p:spPr>
+          <a:xfrm>
+            <a:off x="1043608" y="1124744"/>
+            <a:ext cx="7890080" cy="5472608"/>
+          </a:xfrm>
+        </p:spPr>
+        <p:txBody>
+          <a:bodyPr>
+            <a:normAutofit fontScale="77500" lnSpcReduction="20000"/>
+          </a:bodyPr>
+          <a:lstStyle/>
+          <a:p>
+            <a:r>
+              <a:rPr lang="ru-RU" dirty="0" smtClean="0"/>
+              <a:t>Изучены вопросы, связанные с автоматизацией и расширением приложений</a:t>
+            </a:r>
+          </a:p>
+          <a:p>
+            <a:r>
+              <a:rPr lang="ru-RU" dirty="0" smtClean="0"/>
+              <a:t>Изучены существующие подходы в данной области</a:t>
+            </a:r>
+          </a:p>
+          <a:p>
+            <a:r>
+              <a:rPr lang="ru-RU" dirty="0" smtClean="0"/>
+              <a:t>Предпринята попытка интеграции одного из существующих решений</a:t>
+            </a:r>
+          </a:p>
+          <a:p>
+            <a:r>
+              <a:rPr lang="ru-RU" dirty="0" smtClean="0"/>
+              <a:t>Сделаны выводы о преимуществах и недостатках существующих решений и сформулированы требования к новой разрабатываемой </a:t>
+            </a:r>
+            <a:r>
+              <a:rPr lang="ru-RU" dirty="0" smtClean="0"/>
+              <a:t>платформе</a:t>
+            </a:r>
+            <a:endParaRPr lang="en-US" dirty="0" smtClean="0"/>
+          </a:p>
+          <a:p>
+            <a:r>
+              <a:rPr lang="ru-RU" dirty="0" smtClean="0"/>
+              <a:t>Объедин</a:t>
+            </a:r>
+            <a:r>
+              <a:rPr lang="ru-RU" dirty="0" smtClean="0"/>
+              <a:t>ены понятия расширения и автоматизации</a:t>
+            </a:r>
+            <a:endParaRPr lang="ru-RU" dirty="0" smtClean="0"/>
+          </a:p>
+          <a:p>
+            <a:r>
+              <a:rPr lang="ru-RU" dirty="0" smtClean="0"/>
+              <a:t>Разработана новая платформа</a:t>
+            </a:r>
+          </a:p>
+          <a:p>
+            <a:r>
+              <a:rPr lang="ru-RU" dirty="0" smtClean="0"/>
+              <a:t>Платформа интегрирована в существующие проекты</a:t>
+            </a:r>
+          </a:p>
+          <a:p>
+            <a:r>
+              <a:rPr lang="ru-RU" dirty="0" smtClean="0"/>
+              <a:t>Проведён анализ результатов интеграции и сравнение полученной платформы с существующими решениями</a:t>
+            </a:r>
+            <a:endParaRPr lang="ru-RU" dirty="0"/>
+          </a:p>
+        </p:txBody>
+      </p:sp>
+    </p:spTree>
+  </p:cSld>
+  <p:clrMapOvr>
+    <a:masterClrMapping/>
+  </p:clrMapOvr>
+  <p:timing>
+    <p:tnLst>
+      <p:par>
+        <p:cTn id="1" dur="indefinite" restart="never" nodeType="tmRoot"/>
+      </p:par>
+    </p:tnLst>
+  </p:timing>
+</p:sld>
+</file>
+
+<file path=ppt/slides/slide13.xml><?xml version="1.0" encoding="utf-8"?>
+<p:sld xmlns:a="http://schemas.openxmlformats.org/drawingml/2006/main" xmlns:r="http://schemas.openxmlformats.org/officeDocument/2006/relationships" xmlns:p="http://schemas.openxmlformats.org/presentationml/2006/main">
+  <p:cSld>
+    <p:spTree>
+      <p:nvGrpSpPr>
+        <p:cNvPr id="1" name=""/>
+        <p:cNvGrpSpPr/>
+        <p:nvPr/>
+      </p:nvGrpSpPr>
+      <p:grpSpPr>
+        <a:xfrm>
+          <a:off x="0" y="0"/>
+          <a:ext cx="0" cy="0"/>
+          <a:chOff x="0" y="0"/>
+          <a:chExt cx="0" cy="0"/>
+        </a:xfrm>
+      </p:grpSpPr>
+      <p:sp>
+        <p:nvSpPr>
+          <p:cNvPr id="2" name="Title 1"/>
+          <p:cNvSpPr>
+            <a:spLocks noGrp="1"/>
+          </p:cNvSpPr>
+          <p:nvPr>
+            <p:ph type="title"/>
+          </p:nvPr>
+        </p:nvSpPr>
+        <p:spPr/>
+        <p:txBody>
           <a:bodyPr/>
           <a:lstStyle/>
           <a:p>
@@ -4977,9 +5629,9 @@
           <a:p>
             <a:r>
               <a:rPr lang="ru-RU" dirty="0" smtClean="0"/>
-              <a:t>Существующие решения</a:t>
-            </a:r>
-            <a:endParaRPr lang="ru-RU" dirty="0"/>
+              <a:t>Исходная задача</a:t>
+            </a:r>
+            <a:endParaRPr lang="en-GB" dirty="0"/>
           </a:p>
         </p:txBody>
       </p:sp>
@@ -4995,68 +5647,49 @@
         </p:nvSpPr>
         <p:spPr/>
         <p:txBody>
-          <a:bodyPr/>
+          <a:bodyPr>
+            <a:normAutofit fontScale="92500" lnSpcReduction="10000"/>
+          </a:bodyPr>
           <a:lstStyle/>
           <a:p>
             <a:r>
+              <a:rPr lang="ru-RU" dirty="0" smtClean="0"/>
+              <a:t>Портировать приложение, использовав взамен устаревших платформ и технологий современные аналоги</a:t>
+            </a:r>
+          </a:p>
+          <a:p>
+            <a:r>
+              <a:rPr lang="ru-RU" dirty="0" smtClean="0"/>
+              <a:t>В старой версии для автоматизации и расширения использовался устаревший на настоящий момент инструментарий </a:t>
+            </a:r>
+            <a:r>
               <a:rPr lang="en-US" dirty="0" smtClean="0"/>
-              <a:t>Visual Basic for Applications</a:t>
-            </a:r>
-          </a:p>
-          <a:p>
+              <a:t>VBA</a:t>
+            </a:r>
+            <a:endParaRPr lang="ru-RU" dirty="0" smtClean="0"/>
+          </a:p>
+          <a:p>
+            <a:r>
+              <a:rPr lang="ru-RU" dirty="0" smtClean="0"/>
+              <a:t>Необходимо найти замену </a:t>
+            </a:r>
             <a:r>
               <a:rPr lang="en-US" dirty="0" smtClean="0"/>
-              <a:t>Visual Studio Tools for Applications</a:t>
-            </a:r>
-          </a:p>
-          <a:p>
-            <a:r>
-              <a:rPr lang="en-US" dirty="0" smtClean="0"/>
-              <a:t>Visual Studio Tools for Office</a:t>
-            </a:r>
-          </a:p>
-          <a:p>
-            <a:r>
-              <a:rPr lang="en-US" dirty="0" err="1" smtClean="0"/>
-              <a:t>IronPython</a:t>
-            </a:r>
-            <a:endParaRPr lang="en-US" dirty="0" smtClean="0"/>
-          </a:p>
-          <a:p>
-            <a:r>
-              <a:rPr lang="en-US" dirty="0" smtClean="0"/>
-              <a:t>Managed Extensibility Framework</a:t>
-            </a:r>
-          </a:p>
-          <a:p>
-            <a:r>
-              <a:rPr lang="en-US" dirty="0" smtClean="0"/>
-              <a:t>AL Platform</a:t>
-            </a:r>
-          </a:p>
-          <a:p>
-            <a:r>
-              <a:rPr lang="en-US" dirty="0" err="1" smtClean="0"/>
-              <a:t>Plux</a:t>
-            </a:r>
-            <a:r>
-              <a:rPr lang="en-US" dirty="0" smtClean="0"/>
-              <a:t> .NET</a:t>
-            </a:r>
-          </a:p>
-          <a:p>
-            <a:r>
-              <a:rPr lang="en-US" dirty="0" err="1" smtClean="0"/>
-              <a:t>System.AddIn</a:t>
-            </a:r>
-            <a:endParaRPr lang="en-US" dirty="0" smtClean="0"/>
-          </a:p>
-          <a:p>
-            <a:endParaRPr lang="ru-RU" dirty="0"/>
+              <a:t>VBA</a:t>
+            </a:r>
+            <a:r>
+              <a:rPr lang="ru-RU" dirty="0" smtClean="0"/>
+              <a:t> или реализовать платформу, предоставляющую похожие возможности, самостоятельно</a:t>
+            </a:r>
           </a:p>
         </p:txBody>
       </p:sp>
     </p:spTree>
+    <p:extLst>
+      <p:ext uri="{BB962C8B-B14F-4D97-AF65-F5344CB8AC3E}">
+        <p14:creationId xmlns:p14="http://schemas.microsoft.com/office/powerpoint/2010/main" val="927111847"/>
+      </p:ext>
+    </p:extLst>
   </p:cSld>
   <p:clrMapOvr>
     <a:masterClrMapping/>
@@ -5100,61 +5733,84 @@
         </p:nvSpPr>
         <p:spPr/>
         <p:txBody>
-          <a:bodyPr>
-            <a:normAutofit fontScale="90000"/>
-          </a:bodyPr>
-          <a:lstStyle/>
-          <a:p>
-            <a:r>
-              <a:rPr lang="ru-RU" dirty="0" smtClean="0"/>
-              <a:t>Недостатки существующих решений</a:t>
-            </a:r>
-            <a:endParaRPr lang="ru-RU" dirty="0"/>
-          </a:p>
-        </p:txBody>
-      </p:sp>
-      <p:sp>
-        <p:nvSpPr>
-          <p:cNvPr id="3" name="Content Placeholder 2"/>
-          <p:cNvSpPr>
-            <a:spLocks noGrp="1"/>
-          </p:cNvSpPr>
-          <p:nvPr>
-            <p:ph idx="1"/>
-          </p:nvPr>
-        </p:nvSpPr>
-        <p:spPr>
-          <a:xfrm>
-            <a:off x="1435608" y="1772816"/>
-            <a:ext cx="7498080" cy="4475584"/>
-          </a:xfrm>
-        </p:spPr>
-        <p:txBody>
           <a:bodyPr/>
           <a:lstStyle/>
           <a:p>
             <a:r>
               <a:rPr lang="ru-RU" dirty="0" smtClean="0"/>
-              <a:t>Решают частные случаи задачи</a:t>
-            </a:r>
-          </a:p>
-          <a:p>
-            <a:r>
-              <a:rPr lang="ru-RU" dirty="0" smtClean="0"/>
-              <a:t>Сложны в интеграции</a:t>
-            </a:r>
-          </a:p>
-          <a:p>
-            <a:r>
-              <a:rPr lang="ru-RU" dirty="0" smtClean="0"/>
-              <a:t>Имеют неоправданно большой размер и нагромождение невостребованных возможностей</a:t>
-            </a:r>
-          </a:p>
-          <a:p>
-            <a:r>
-              <a:rPr lang="ru-RU" dirty="0" smtClean="0"/>
-              <a:t>Сводятся к практически полностью ручной реализации требуемых функций</a:t>
-            </a:r>
+              <a:t>Существующие решения</a:t>
+            </a:r>
+            <a:endParaRPr lang="ru-RU" dirty="0"/>
+          </a:p>
+        </p:txBody>
+      </p:sp>
+      <p:sp>
+        <p:nvSpPr>
+          <p:cNvPr id="3" name="Content Placeholder 2"/>
+          <p:cNvSpPr>
+            <a:spLocks noGrp="1"/>
+          </p:cNvSpPr>
+          <p:nvPr>
+            <p:ph idx="1"/>
+          </p:nvPr>
+        </p:nvSpPr>
+        <p:spPr/>
+        <p:txBody>
+          <a:bodyPr/>
+          <a:lstStyle/>
+          <a:p>
+            <a:r>
+              <a:rPr lang="en-US" dirty="0" smtClean="0"/>
+              <a:t>Visual Basic for Applications</a:t>
+            </a:r>
+          </a:p>
+          <a:p>
+            <a:r>
+              <a:rPr lang="en-US" dirty="0" smtClean="0"/>
+              <a:t>Visual Studio Tools for Applications</a:t>
+            </a:r>
+          </a:p>
+          <a:p>
+            <a:r>
+              <a:rPr lang="en-US" dirty="0" smtClean="0"/>
+              <a:t>Visual Studio Tools for Office</a:t>
+            </a:r>
+          </a:p>
+          <a:p>
+            <a:r>
+              <a:rPr lang="en-US" dirty="0" err="1" smtClean="0"/>
+              <a:t>IronPython</a:t>
+            </a:r>
+            <a:endParaRPr lang="en-US" dirty="0" smtClean="0"/>
+          </a:p>
+          <a:p>
+            <a:r>
+              <a:rPr lang="en-US" dirty="0" smtClean="0"/>
+              <a:t>Managed Extensibility Framework</a:t>
+            </a:r>
+          </a:p>
+          <a:p>
+            <a:r>
+              <a:rPr lang="en-US" dirty="0" smtClean="0"/>
+              <a:t>AL Platform</a:t>
+            </a:r>
+          </a:p>
+          <a:p>
+            <a:r>
+              <a:rPr lang="en-US" dirty="0" err="1" smtClean="0"/>
+              <a:t>Plux</a:t>
+            </a:r>
+            <a:r>
+              <a:rPr lang="en-US" dirty="0" smtClean="0"/>
+              <a:t> .NET</a:t>
+            </a:r>
+          </a:p>
+          <a:p>
+            <a:r>
+              <a:rPr lang="en-US" dirty="0" err="1" smtClean="0"/>
+              <a:t>System.AddIn</a:t>
+            </a:r>
+            <a:endParaRPr lang="en-US" dirty="0" smtClean="0"/>
           </a:p>
           <a:p>
             <a:endParaRPr lang="ru-RU" dirty="0"/>
@@ -5205,50 +5861,63 @@
         </p:nvSpPr>
         <p:spPr/>
         <p:txBody>
+          <a:bodyPr>
+            <a:normAutofit fontScale="90000"/>
+          </a:bodyPr>
+          <a:lstStyle/>
+          <a:p>
+            <a:r>
+              <a:rPr lang="ru-RU" dirty="0" smtClean="0"/>
+              <a:t>Недостатки существующих решений</a:t>
+            </a:r>
+            <a:endParaRPr lang="ru-RU" dirty="0"/>
+          </a:p>
+        </p:txBody>
+      </p:sp>
+      <p:sp>
+        <p:nvSpPr>
+          <p:cNvPr id="3" name="Content Placeholder 2"/>
+          <p:cNvSpPr>
+            <a:spLocks noGrp="1"/>
+          </p:cNvSpPr>
+          <p:nvPr>
+            <p:ph idx="1"/>
+          </p:nvPr>
+        </p:nvSpPr>
+        <p:spPr>
+          <a:xfrm>
+            <a:off x="1435608" y="1772816"/>
+            <a:ext cx="7498080" cy="4475584"/>
+          </a:xfrm>
+        </p:spPr>
+        <p:txBody>
           <a:bodyPr/>
           <a:lstStyle/>
           <a:p>
             <a:r>
               <a:rPr lang="ru-RU" dirty="0" smtClean="0"/>
-              <a:t>Цель</a:t>
-            </a:r>
-            <a:endParaRPr lang="ru-RU" dirty="0"/>
-          </a:p>
-        </p:txBody>
-      </p:sp>
-      <p:sp>
-        <p:nvSpPr>
-          <p:cNvPr id="3" name="Content Placeholder 2"/>
-          <p:cNvSpPr>
-            <a:spLocks noGrp="1"/>
-          </p:cNvSpPr>
-          <p:nvPr>
-            <p:ph idx="1"/>
-          </p:nvPr>
-        </p:nvSpPr>
-        <p:spPr/>
-        <p:txBody>
-          <a:bodyPr>
-            <a:normAutofit fontScale="92500" lnSpcReduction="10000"/>
-          </a:bodyPr>
-          <a:lstStyle/>
+              <a:t>Решают частные случаи задачи</a:t>
+            </a:r>
+          </a:p>
           <a:p>
             <a:r>
               <a:rPr lang="ru-RU" dirty="0" smtClean="0"/>
-              <a:t>Разработать новую платформу с учётом достоинств и недостатков существующих решений, требований, сформулированных на реальном проекте и опыта интеграции существующих решений в реальный проект</a:t>
+              <a:t>Сложны в интеграции</a:t>
             </a:r>
           </a:p>
           <a:p>
             <a:r>
               <a:rPr lang="ru-RU" dirty="0" smtClean="0"/>
-              <a:t>Интегрировать платформу в ряд проектов</a:t>
+              <a:t>Имеют неоправданно большой размер и нагромождение невостребованных возможностей</a:t>
             </a:r>
           </a:p>
           <a:p>
             <a:r>
               <a:rPr lang="ru-RU" dirty="0" smtClean="0"/>
-              <a:t>Сравнить реализованную платформу с существующими решениями</a:t>
-            </a:r>
+              <a:t>Сводятся к практически полностью ручной реализации требуемых функций</a:t>
+            </a:r>
+          </a:p>
+          <a:p>
             <a:endParaRPr lang="ru-RU" dirty="0"/>
           </a:p>
         </p:txBody>
@@ -5302,7 +5971,7 @@
           <a:p>
             <a:r>
               <a:rPr lang="ru-RU" dirty="0" smtClean="0"/>
-              <a:t>Требования к платформе</a:t>
+              <a:t>Цель</a:t>
             </a:r>
             <a:endParaRPr lang="ru-RU" dirty="0"/>
           </a:p>
@@ -5321,43 +5990,25 @@
         <p:spPr/>
         <p:txBody>
           <a:bodyPr>
-            <a:normAutofit lnSpcReduction="10000"/>
+            <a:normAutofit fontScale="92500" lnSpcReduction="10000"/>
           </a:bodyPr>
           <a:lstStyle/>
           <a:p>
             <a:r>
               <a:rPr lang="ru-RU" dirty="0" smtClean="0"/>
-              <a:t>Автоматизация и расширение как единое понятие</a:t>
+              <a:t>Разработать новую платформу с учётом достоинств и недостатков существующих решений, требований, сформулированных на реальном проекте и опыта интеграции существующих решений в реальный проект</a:t>
             </a:r>
           </a:p>
           <a:p>
             <a:r>
               <a:rPr lang="ru-RU" dirty="0" smtClean="0"/>
-              <a:t>Простота интеграции</a:t>
+              <a:t>Интегрировать платформу в ряд проектов</a:t>
             </a:r>
           </a:p>
           <a:p>
             <a:r>
               <a:rPr lang="ru-RU" dirty="0" smtClean="0"/>
-              <a:t>Полуавтоматическая интеграция</a:t>
-            </a:r>
-          </a:p>
-          <a:p>
-            <a:r>
-              <a:rPr lang="ru-RU" dirty="0" smtClean="0"/>
-              <a:t>Возможность отладки расширений</a:t>
-            </a:r>
-          </a:p>
-          <a:p>
-            <a:r>
-              <a:rPr lang="ru-RU" dirty="0" smtClean="0"/>
-              <a:t>Инструменты для взаимодействия с основным приложением</a:t>
-            </a:r>
-          </a:p>
-          <a:p>
-            <a:r>
-              <a:rPr lang="ru-RU" dirty="0" smtClean="0"/>
-              <a:t>Возможность повторного использования существующего кода</a:t>
+              <a:t>Сравнить реализованную платформу с существующими решениями</a:t>
             </a:r>
             <a:endParaRPr lang="ru-RU" dirty="0"/>
           </a:p>
@@ -5412,53 +6063,12 @@
           <a:p>
             <a:r>
               <a:rPr lang="ru-RU" dirty="0" smtClean="0"/>
-              <a:t>Архитектура платформы</a:t>
+              <a:t>Требования к платформе</a:t>
             </a:r>
             <a:endParaRPr lang="ru-RU" dirty="0"/>
           </a:p>
         </p:txBody>
       </p:sp>
-      <p:pic>
-        <p:nvPicPr>
-          <p:cNvPr id="4" name="Picture 2" descr="C:\Users\AAshmarin\Documents\thesis\thesis\pics\fw_arch1.png"/>
-          <p:cNvPicPr>
-            <a:picLocks noChangeAspect="1" noChangeArrowheads="1"/>
-          </p:cNvPicPr>
-          <p:nvPr/>
-        </p:nvPicPr>
-        <p:blipFill>
-          <a:blip r:embed="rId2">
-            <a:extLst>
-              <a:ext uri="{28A0092B-C50C-407E-A947-70E740481C1C}">
-                <a14:useLocalDpi xmlns:a14="http://schemas.microsoft.com/office/drawing/2010/main" val="0"/>
-              </a:ext>
-            </a:extLst>
-          </a:blip>
-          <a:srcRect/>
-          <a:stretch>
-            <a:fillRect/>
-          </a:stretch>
-        </p:blipFill>
-        <p:spPr bwMode="auto">
-          <a:xfrm>
-            <a:off x="1115616" y="1268760"/>
-            <a:ext cx="7818437" cy="4754563"/>
-          </a:xfrm>
-          <a:prstGeom prst="rect">
-            <a:avLst/>
-          </a:prstGeom>
-          <a:noFill/>
-          <a:extLst>
-            <a:ext uri="{909E8E84-426E-40DD-AFC4-6F175D3DCCD1}">
-              <a14:hiddenFill xmlns:a14="http://schemas.microsoft.com/office/drawing/2010/main">
-                <a:solidFill>
-                  <a:srgbClr val="FFFFFF"/>
-                </a:solidFill>
-              </a14:hiddenFill>
-            </a:ext>
-          </a:extLst>
-        </p:spPr>
-      </p:pic>
       <p:sp>
         <p:nvSpPr>
           <p:cNvPr id="3" name="Content Placeholder 2"/>
@@ -5471,10 +6081,46 @@
         </p:nvSpPr>
         <p:spPr/>
         <p:txBody>
-          <a:bodyPr/>
+          <a:bodyPr>
+            <a:normAutofit lnSpcReduction="10000"/>
+          </a:bodyPr>
           <a:lstStyle/>
           <a:p>
-            <a:endParaRPr lang="en-GB"/>
+            <a:r>
+              <a:rPr lang="ru-RU" dirty="0" smtClean="0"/>
+              <a:t>Автоматизация и расширение как единое понятие</a:t>
+            </a:r>
+          </a:p>
+          <a:p>
+            <a:r>
+              <a:rPr lang="ru-RU" dirty="0" smtClean="0"/>
+              <a:t>Простота интеграции</a:t>
+            </a:r>
+          </a:p>
+          <a:p>
+            <a:r>
+              <a:rPr lang="ru-RU" dirty="0" smtClean="0"/>
+              <a:t>Полуавтоматическая интеграция</a:t>
+            </a:r>
+          </a:p>
+          <a:p>
+            <a:r>
+              <a:rPr lang="ru-RU" dirty="0" smtClean="0"/>
+              <a:t>Возможность отладки расширений</a:t>
+            </a:r>
+          </a:p>
+          <a:p>
+            <a:r>
+              <a:rPr lang="ru-RU" dirty="0" smtClean="0"/>
+              <a:t>Инструменты для взаимодействия с основным приложением</a:t>
+            </a:r>
+          </a:p>
+          <a:p>
+            <a:r>
+              <a:rPr lang="ru-RU" dirty="0" smtClean="0"/>
+              <a:t>Возможность повторного использования существующего кода</a:t>
+            </a:r>
+            <a:endParaRPr lang="ru-RU" dirty="0"/>
           </a:p>
         </p:txBody>
       </p:sp>
@@ -5520,7 +6166,12 @@
             <p:ph type="title"/>
           </p:nvPr>
         </p:nvSpPr>
-        <p:spPr/>
+        <p:spPr>
+          <a:xfrm>
+            <a:off x="1435608" y="116632"/>
+            <a:ext cx="7498080" cy="796950"/>
+          </a:xfrm>
+        </p:spPr>
         <p:txBody>
           <a:bodyPr>
             <a:normAutofit fontScale="90000"/>
@@ -5528,10 +6179,10 @@
           <a:lstStyle/>
           <a:p>
             <a:r>
-              <a:rPr lang="ru-RU" dirty="0" smtClean="0"/>
-              <a:t>Дополнительные возможности</a:t>
-            </a:r>
-            <a:endParaRPr lang="ru-RU" dirty="0"/>
+              <a:rPr lang="ru-RU" sz="4000" dirty="0" smtClean="0"/>
+              <a:t>Основной сценарий использования</a:t>
+            </a:r>
+            <a:endParaRPr lang="en-GB" dirty="0"/>
           </a:p>
         </p:txBody>
       </p:sp>
@@ -5557,29 +6208,43 @@
           </a:p>
           <a:p>
             <a:r>
+              <a:rPr lang="ru-RU" dirty="0" smtClean="0"/>
+              <a:t>Вызов редактора исходного кода для редактирования расширения или его отладки</a:t>
+            </a:r>
+          </a:p>
+          <a:p>
+            <a:r>
+              <a:rPr lang="ru-RU" dirty="0" smtClean="0"/>
+              <a:t>Вызов </a:t>
+            </a:r>
+            <a:r>
               <a:rPr lang="en-US" dirty="0" smtClean="0"/>
-              <a:t>IntelliSense</a:t>
+              <a:t>IDE</a:t>
             </a:r>
             <a:r>
               <a:rPr lang="ru-RU" dirty="0" smtClean="0"/>
-              <a:t> с учётом специфики основного приложения</a:t>
+              <a:t> для создания нового расширения</a:t>
             </a:r>
           </a:p>
           <a:p>
             <a:r>
               <a:rPr lang="ru-RU" dirty="0" smtClean="0"/>
-              <a:t>Инструменты для полуавтоматической интеграции</a:t>
-            </a:r>
-          </a:p>
-          <a:p>
-            <a:r>
-              <a:rPr lang="ru-RU" dirty="0" smtClean="0"/>
-              <a:t>Полноценная среда разработки</a:t>
-            </a:r>
+              <a:t>Запуск возможностей, предоставляемых расширением (к примеру, через </a:t>
+            </a:r>
+            <a:r>
+              <a:rPr lang="en-US" dirty="0" smtClean="0"/>
+              <a:t>GUI)</a:t>
+            </a:r>
+            <a:endParaRPr lang="en-GB" dirty="0"/>
           </a:p>
         </p:txBody>
       </p:sp>
     </p:spTree>
+    <p:extLst>
+      <p:ext uri="{BB962C8B-B14F-4D97-AF65-F5344CB8AC3E}">
+        <p14:creationId xmlns:p14="http://schemas.microsoft.com/office/powerpoint/2010/main" val="3649330979"/>
+      </p:ext>
+    </p:extLst>
   </p:cSld>
   <p:clrMapOvr>
     <a:masterClrMapping/>
@@ -5915,4 +6580,289 @@
   <a:objectDefaults/>
   <a:extraClrSchemeLst/>
 </a:theme>
+</file>
+
+<file path=ppt/theme/theme2.xml><?xml version="1.0" encoding="utf-8"?>
+<a:theme xmlns:a="http://schemas.openxmlformats.org/drawingml/2006/main" name="Office Theme">
+  <a:themeElements>
+    <a:clrScheme name="Office">
+      <a:dk1>
+        <a:sysClr val="windowText" lastClr="000000"/>
+      </a:dk1>
+      <a:lt1>
+        <a:sysClr val="window" lastClr="FFFFFF"/>
+      </a:lt1>
+      <a:dk2>
+        <a:srgbClr val="1F497D"/>
+      </a:dk2>
+      <a:lt2>
+        <a:srgbClr val="EEECE1"/>
+      </a:lt2>
+      <a:accent1>
+        <a:srgbClr val="4F81BD"/>
+      </a:accent1>
+      <a:accent2>
+        <a:srgbClr val="C0504D"/>
+      </a:accent2>
+      <a:accent3>
+        <a:srgbClr val="9BBB59"/>
+      </a:accent3>
+      <a:accent4>
+        <a:srgbClr val="8064A2"/>
+      </a:accent4>
+      <a:accent5>
+        <a:srgbClr val="4BACC6"/>
+      </a:accent5>
+      <a:accent6>
+        <a:srgbClr val="F79646"/>
+      </a:accent6>
+      <a:hlink>
+        <a:srgbClr val="0000FF"/>
+      </a:hlink>
+      <a:folHlink>
+        <a:srgbClr val="800080"/>
+      </a:folHlink>
+    </a:clrScheme>
+    <a:fontScheme name="Office">
+      <a:majorFont>
+        <a:latin typeface="Calibri"/>
+        <a:ea typeface=""/>
+        <a:cs typeface=""/>
+        <a:font script="Jpan" typeface="ＭＳ Ｐゴシック"/>
+        <a:font script="Hang" typeface="맑은 고딕"/>
+        <a:font script="Hans" typeface="宋体"/>
+        <a:font script="Hant" typeface="新細明體"/>
+        <a:font script="Arab" typeface="Times New Roman"/>
+        <a:font script="Hebr" typeface="Times New Roman"/>
+        <a:font script="Thai" typeface="Angsana New"/>
+        <a:font script="Ethi" typeface="Nyala"/>
+        <a:font script="Beng" typeface="Vrinda"/>
+        <a:font script="Gujr" typeface="Shruti"/>
+        <a:font script="Khmr" typeface="MoolBoran"/>
+        <a:font script="Knda" typeface="Tunga"/>
+        <a:font script="Guru" typeface="Raavi"/>
+        <a:font script="Cans" typeface="Euphemia"/>
+        <a:font script="Cher" typeface="Plantagenet Cherokee"/>
+        <a:font script="Yiii" typeface="Microsoft Yi Baiti"/>
+        <a:font script="Tibt" typeface="Microsoft Himalaya"/>
+        <a:font script="Thaa" typeface="MV Boli"/>
+        <a:font script="Deva" typeface="Mangal"/>
+        <a:font script="Telu" typeface="Gautami"/>
+        <a:font script="Taml" typeface="Latha"/>
+        <a:font script="Syrc" typeface="Estrangelo Edessa"/>
+        <a:font script="Orya" typeface="Kalinga"/>
+        <a:font script="Mlym" typeface="Kartika"/>
+        <a:font script="Laoo" typeface="DokChampa"/>
+        <a:font script="Sinh" typeface="Iskoola Pota"/>
+        <a:font script="Mong" typeface="Mongolian Baiti"/>
+        <a:font script="Viet" typeface="Times New Roman"/>
+        <a:font script="Uigh" typeface="Microsoft Uighur"/>
+        <a:font script="Geor" typeface="Sylfaen"/>
+      </a:majorFont>
+      <a:minorFont>
+        <a:latin typeface="Calibri"/>
+        <a:ea typeface=""/>
+        <a:cs typeface=""/>
+        <a:font script="Jpan" typeface="ＭＳ Ｐゴシック"/>
+        <a:font script="Hang" typeface="맑은 고딕"/>
+        <a:font script="Hans" typeface="宋体"/>
+        <a:font script="Hant" typeface="新細明體"/>
+        <a:font script="Arab" typeface="Arial"/>
+        <a:font script="Hebr" typeface="Arial"/>
+        <a:font script="Thai" typeface="Cordia New"/>
+        <a:font script="Ethi" typeface="Nyala"/>
+        <a:font script="Beng" typeface="Vrinda"/>
+        <a:font script="Gujr" typeface="Shruti"/>
+        <a:font script="Khmr" typeface="DaunPenh"/>
+        <a:font script="Knda" typeface="Tunga"/>
+        <a:font script="Guru" typeface="Raavi"/>
+        <a:font script="Cans" typeface="Euphemia"/>
+        <a:font script="Cher" typeface="Plantagenet Cherokee"/>
+        <a:font script="Yiii" typeface="Microsoft Yi Baiti"/>
+        <a:font script="Tibt" typeface="Microsoft Himalaya"/>
+        <a:font script="Thaa" typeface="MV Boli"/>
+        <a:font script="Deva" typeface="Mangal"/>
+        <a:font script="Telu" typeface="Gautami"/>
+        <a:font script="Taml" typeface="Latha"/>
+        <a:font script="Syrc" typeface="Estrangelo Edessa"/>
+        <a:font script="Orya" typeface="Kalinga"/>
+        <a:font script="Mlym" typeface="Kartika"/>
+        <a:font script="Laoo" typeface="DokChampa"/>
+        <a:font script="Sinh" typeface="Iskoola Pota"/>
+        <a:font script="Mong" typeface="Mongolian Baiti"/>
+        <a:font script="Viet" typeface="Arial"/>
+        <a:font script="Uigh" typeface="Microsoft Uighur"/>
+        <a:font script="Geor" typeface="Sylfaen"/>
+      </a:minorFont>
+    </a:fontScheme>
+    <a:fmtScheme name="Office">
+      <a:fillStyleLst>
+        <a:solidFill>
+          <a:schemeClr val="phClr"/>
+        </a:solidFill>
+        <a:gradFill rotWithShape="1">
+          <a:gsLst>
+            <a:gs pos="0">
+              <a:schemeClr val="phClr">
+                <a:tint val="50000"/>
+                <a:satMod val="300000"/>
+              </a:schemeClr>
+            </a:gs>
+            <a:gs pos="35000">
+              <a:schemeClr val="phClr">
+                <a:tint val="37000"/>
+                <a:satMod val="300000"/>
+              </a:schemeClr>
+            </a:gs>
+            <a:gs pos="100000">
+              <a:schemeClr val="phClr">
+                <a:tint val="15000"/>
+                <a:satMod val="350000"/>
+              </a:schemeClr>
+            </a:gs>
+          </a:gsLst>
+          <a:lin ang="16200000" scaled="1"/>
+        </a:gradFill>
+        <a:gradFill rotWithShape="1">
+          <a:gsLst>
+            <a:gs pos="0">
+              <a:schemeClr val="phClr">
+                <a:shade val="51000"/>
+                <a:satMod val="130000"/>
+              </a:schemeClr>
+            </a:gs>
+            <a:gs pos="80000">
+              <a:schemeClr val="phClr">
+                <a:shade val="93000"/>
+                <a:satMod val="130000"/>
+              </a:schemeClr>
+            </a:gs>
+            <a:gs pos="100000">
+              <a:schemeClr val="phClr">
+                <a:shade val="94000"/>
+                <a:satMod val="135000"/>
+              </a:schemeClr>
+            </a:gs>
+          </a:gsLst>
+          <a:lin ang="16200000" scaled="0"/>
+        </a:gradFill>
+      </a:fillStyleLst>
+      <a:lnStyleLst>
+        <a:ln w="9525" cap="flat" cmpd="sng" algn="ctr">
+          <a:solidFill>
+            <a:schemeClr val="phClr">
+              <a:shade val="95000"/>
+              <a:satMod val="105000"/>
+            </a:schemeClr>
+          </a:solidFill>
+          <a:prstDash val="solid"/>
+        </a:ln>
+        <a:ln w="25400" cap="flat" cmpd="sng" algn="ctr">
+          <a:solidFill>
+            <a:schemeClr val="phClr"/>
+          </a:solidFill>
+          <a:prstDash val="solid"/>
+        </a:ln>
+        <a:ln w="38100" cap="flat" cmpd="sng" algn="ctr">
+          <a:solidFill>
+            <a:schemeClr val="phClr"/>
+          </a:solidFill>
+          <a:prstDash val="solid"/>
+        </a:ln>
+      </a:lnStyleLst>
+      <a:effectStyleLst>
+        <a:effectStyle>
+          <a:effectLst>
+            <a:outerShdw blurRad="40000" dist="20000" dir="5400000" rotWithShape="0">
+              <a:srgbClr val="000000">
+                <a:alpha val="38000"/>
+              </a:srgbClr>
+            </a:outerShdw>
+          </a:effectLst>
+        </a:effectStyle>
+        <a:effectStyle>
+          <a:effectLst>
+            <a:outerShdw blurRad="40000" dist="23000" dir="5400000" rotWithShape="0">
+              <a:srgbClr val="000000">
+                <a:alpha val="35000"/>
+              </a:srgbClr>
+            </a:outerShdw>
+          </a:effectLst>
+        </a:effectStyle>
+        <a:effectStyle>
+          <a:effectLst>
+            <a:outerShdw blurRad="40000" dist="23000" dir="5400000" rotWithShape="0">
+              <a:srgbClr val="000000">
+                <a:alpha val="35000"/>
+              </a:srgbClr>
+            </a:outerShdw>
+          </a:effectLst>
+          <a:scene3d>
+            <a:camera prst="orthographicFront">
+              <a:rot lat="0" lon="0" rev="0"/>
+            </a:camera>
+            <a:lightRig rig="threePt" dir="t">
+              <a:rot lat="0" lon="0" rev="1200000"/>
+            </a:lightRig>
+          </a:scene3d>
+          <a:sp3d>
+            <a:bevelT w="63500" h="25400"/>
+          </a:sp3d>
+        </a:effectStyle>
+      </a:effectStyleLst>
+      <a:bgFillStyleLst>
+        <a:solidFill>
+          <a:schemeClr val="phClr"/>
+        </a:solidFill>
+        <a:gradFill rotWithShape="1">
+          <a:gsLst>
+            <a:gs pos="0">
+              <a:schemeClr val="phClr">
+                <a:tint val="40000"/>
+                <a:satMod val="350000"/>
+              </a:schemeClr>
+            </a:gs>
+            <a:gs pos="40000">
+              <a:schemeClr val="phClr">
+                <a:tint val="45000"/>
+                <a:shade val="99000"/>
+                <a:satMod val="350000"/>
+              </a:schemeClr>
+            </a:gs>
+            <a:gs pos="100000">
+              <a:schemeClr val="phClr">
+                <a:shade val="20000"/>
+                <a:satMod val="255000"/>
+              </a:schemeClr>
+            </a:gs>
+          </a:gsLst>
+          <a:path path="circle">
+            <a:fillToRect l="50000" t="-80000" r="50000" b="180000"/>
+          </a:path>
+        </a:gradFill>
+        <a:gradFill rotWithShape="1">
+          <a:gsLst>
+            <a:gs pos="0">
+              <a:schemeClr val="phClr">
+                <a:tint val="80000"/>
+                <a:satMod val="300000"/>
+              </a:schemeClr>
+            </a:gs>
+            <a:gs pos="100000">
+              <a:schemeClr val="phClr">
+                <a:shade val="30000"/>
+                <a:satMod val="200000"/>
+              </a:schemeClr>
+            </a:gs>
+          </a:gsLst>
+          <a:path path="circle">
+            <a:fillToRect l="50000" t="50000" r="50000" b="50000"/>
+          </a:path>
+        </a:gradFill>
+      </a:bgFillStyleLst>
+    </a:fmtScheme>
+  </a:themeElements>
+  <a:objectDefaults/>
+  <a:extraClrSchemeLst/>
+</a:theme>
 </file>